--- a/Docs/UserInterfaceDemo.pptx
+++ b/Docs/UserInterfaceDemo.pptx
@@ -111,6 +111,11 @@
       </a:defRPr>
     </a:lvl9pPr>
   </p:defaultTextStyle>
+  <p:extLst>
+    <p:ext uri="{EFAFB233-063F-42B5-8137-9DF3F51BA10A}">
+      <p15:sldGuideLst xmlns:p15="http://schemas.microsoft.com/office/powerpoint/2012/main"/>
+    </p:ext>
+  </p:extLst>
 </p:presentation>
 </file>
 
@@ -510,7 +515,7 @@
           <a:p>
             <a:r>
               <a:rPr lang="en-GB" dirty="0"/>
-              <a:t>Clicking on the item will add it to the dish</a:t>
+              <a:t>Clicking on the item will add it to the meal, ability to remove an ingredient by pressing X</a:t>
             </a:r>
           </a:p>
         </p:txBody>
@@ -4312,7 +4317,7 @@
         <p:spPr>
           <a:xfrm>
             <a:off x="1030514" y="2148114"/>
-            <a:ext cx="2888343" cy="537029"/>
+            <a:ext cx="1882237" cy="537029"/>
           </a:xfrm>
           <a:prstGeom prst="rect">
             <a:avLst/>
@@ -4357,7 +4362,7 @@
         </p:nvSpPr>
         <p:spPr>
           <a:xfrm>
-            <a:off x="4165600" y="2148114"/>
+            <a:off x="3018970" y="2148114"/>
             <a:ext cx="899886" cy="537029"/>
           </a:xfrm>
           <a:prstGeom prst="rect">
@@ -4437,6 +4442,637 @@
             <a:r>
               <a:rPr lang="en-GB" dirty="0"/>
               <a:t>Output of items from the database that match the search criteria</a:t>
+            </a:r>
+          </a:p>
+        </p:txBody>
+      </p:sp>
+      <p:sp>
+        <p:nvSpPr>
+          <p:cNvPr id="2" name="TextBox 1">
+            <a:extLst>
+              <a:ext uri="{FF2B5EF4-FFF2-40B4-BE49-F238E27FC236}">
+                <a16:creationId xmlns:a16="http://schemas.microsoft.com/office/drawing/2014/main" id="{15D3BEE4-5701-4E75-BBE4-C2CAAB7E9B33}"/>
+              </a:ext>
+            </a:extLst>
+          </p:cNvPr>
+          <p:cNvSpPr txBox="1"/>
+          <p:nvPr/>
+        </p:nvSpPr>
+        <p:spPr>
+          <a:xfrm>
+            <a:off x="4525818" y="1468150"/>
+            <a:ext cx="1570182" cy="369332"/>
+          </a:xfrm>
+          <a:prstGeom prst="rect">
+            <a:avLst/>
+          </a:prstGeom>
+          <a:noFill/>
+        </p:spPr>
+        <p:txBody>
+          <a:bodyPr wrap="square" rtlCol="0">
+            <a:spAutoFit/>
+          </a:bodyPr>
+          <a:lstStyle/>
+          <a:p>
+            <a:r>
+              <a:rPr lang="en-GB" dirty="0"/>
+              <a:t>Meal Name:</a:t>
+            </a:r>
+          </a:p>
+        </p:txBody>
+      </p:sp>
+      <p:sp>
+        <p:nvSpPr>
+          <p:cNvPr id="3" name="Rectangle 2">
+            <a:extLst>
+              <a:ext uri="{FF2B5EF4-FFF2-40B4-BE49-F238E27FC236}">
+                <a16:creationId xmlns:a16="http://schemas.microsoft.com/office/drawing/2014/main" id="{EB3285BA-23A0-4882-81CA-C41C96847B34}"/>
+              </a:ext>
+            </a:extLst>
+          </p:cNvPr>
+          <p:cNvSpPr/>
+          <p:nvPr/>
+        </p:nvSpPr>
+        <p:spPr>
+          <a:xfrm>
+            <a:off x="5929746" y="1468150"/>
+            <a:ext cx="1662545" cy="369332"/>
+          </a:xfrm>
+          <a:prstGeom prst="rect">
+            <a:avLst/>
+          </a:prstGeom>
+        </p:spPr>
+        <p:style>
+          <a:lnRef idx="2">
+            <a:schemeClr val="accent1">
+              <a:shade val="50000"/>
+            </a:schemeClr>
+          </a:lnRef>
+          <a:fillRef idx="1">
+            <a:schemeClr val="accent1"/>
+          </a:fillRef>
+          <a:effectRef idx="0">
+            <a:schemeClr val="accent1"/>
+          </a:effectRef>
+          <a:fontRef idx="minor">
+            <a:schemeClr val="lt1"/>
+          </a:fontRef>
+        </p:style>
+        <p:txBody>
+          <a:bodyPr rtlCol="0" anchor="ctr"/>
+          <a:lstStyle/>
+          <a:p>
+            <a:pPr algn="ctr"/>
+            <a:endParaRPr lang="en-GB"/>
+          </a:p>
+        </p:txBody>
+      </p:sp>
+      <p:sp>
+        <p:nvSpPr>
+          <p:cNvPr id="7" name="Flowchart: Process 6">
+            <a:extLst>
+              <a:ext uri="{FF2B5EF4-FFF2-40B4-BE49-F238E27FC236}">
+                <a16:creationId xmlns:a16="http://schemas.microsoft.com/office/drawing/2014/main" id="{0B8E89A4-979D-4CE7-B6E6-37763BD79DA7}"/>
+              </a:ext>
+            </a:extLst>
+          </p:cNvPr>
+          <p:cNvSpPr/>
+          <p:nvPr/>
+        </p:nvSpPr>
+        <p:spPr>
+          <a:xfrm>
+            <a:off x="4632036" y="2526805"/>
+            <a:ext cx="2927927" cy="2405413"/>
+          </a:xfrm>
+          <a:prstGeom prst="flowChartProcess">
+            <a:avLst/>
+          </a:prstGeom>
+        </p:spPr>
+        <p:style>
+          <a:lnRef idx="2">
+            <a:schemeClr val="accent1">
+              <a:shade val="50000"/>
+            </a:schemeClr>
+          </a:lnRef>
+          <a:fillRef idx="1">
+            <a:schemeClr val="accent1"/>
+          </a:fillRef>
+          <a:effectRef idx="0">
+            <a:schemeClr val="accent1"/>
+          </a:effectRef>
+          <a:fontRef idx="minor">
+            <a:schemeClr val="lt1"/>
+          </a:fontRef>
+        </p:style>
+        <p:txBody>
+          <a:bodyPr rtlCol="0" anchor="ctr"/>
+          <a:lstStyle/>
+          <a:p>
+            <a:pPr algn="ctr"/>
+            <a:endParaRPr lang="en-GB"/>
+          </a:p>
+        </p:txBody>
+      </p:sp>
+      <p:sp>
+        <p:nvSpPr>
+          <p:cNvPr id="11" name="TextBox 10">
+            <a:extLst>
+              <a:ext uri="{FF2B5EF4-FFF2-40B4-BE49-F238E27FC236}">
+                <a16:creationId xmlns:a16="http://schemas.microsoft.com/office/drawing/2014/main" id="{3AFA65F1-174E-42C1-A8A2-BD4377F0FA9E}"/>
+              </a:ext>
+            </a:extLst>
+          </p:cNvPr>
+          <p:cNvSpPr txBox="1"/>
+          <p:nvPr/>
+        </p:nvSpPr>
+        <p:spPr>
+          <a:xfrm>
+            <a:off x="5271327" y="1997477"/>
+            <a:ext cx="1570182" cy="369332"/>
+          </a:xfrm>
+          <a:prstGeom prst="rect">
+            <a:avLst/>
+          </a:prstGeom>
+          <a:noFill/>
+        </p:spPr>
+        <p:txBody>
+          <a:bodyPr wrap="square" rtlCol="0">
+            <a:spAutoFit/>
+          </a:bodyPr>
+          <a:lstStyle/>
+          <a:p>
+            <a:pPr algn="ctr"/>
+            <a:r>
+              <a:rPr lang="en-GB" dirty="0"/>
+              <a:t>Ingredients</a:t>
+            </a:r>
+          </a:p>
+        </p:txBody>
+      </p:sp>
+      <p:sp>
+        <p:nvSpPr>
+          <p:cNvPr id="12" name="Multiplication Sign 11">
+            <a:extLst>
+              <a:ext uri="{FF2B5EF4-FFF2-40B4-BE49-F238E27FC236}">
+                <a16:creationId xmlns:a16="http://schemas.microsoft.com/office/drawing/2014/main" id="{0A06ED68-4EAB-4F85-9EB5-0A0791936DD7}"/>
+              </a:ext>
+            </a:extLst>
+          </p:cNvPr>
+          <p:cNvSpPr/>
+          <p:nvPr/>
+        </p:nvSpPr>
+        <p:spPr>
+          <a:xfrm>
+            <a:off x="7169728" y="2681186"/>
+            <a:ext cx="295563" cy="242784"/>
+          </a:xfrm>
+          <a:prstGeom prst="mathMultiply">
+            <a:avLst/>
+          </a:prstGeom>
+        </p:spPr>
+        <p:style>
+          <a:lnRef idx="2">
+            <a:schemeClr val="accent2">
+              <a:shade val="50000"/>
+            </a:schemeClr>
+          </a:lnRef>
+          <a:fillRef idx="1">
+            <a:schemeClr val="accent2"/>
+          </a:fillRef>
+          <a:effectRef idx="0">
+            <a:schemeClr val="accent2"/>
+          </a:effectRef>
+          <a:fontRef idx="minor">
+            <a:schemeClr val="lt1"/>
+          </a:fontRef>
+        </p:style>
+        <p:txBody>
+          <a:bodyPr rtlCol="0" anchor="ctr"/>
+          <a:lstStyle/>
+          <a:p>
+            <a:pPr algn="ctr"/>
+            <a:endParaRPr lang="en-GB"/>
+          </a:p>
+        </p:txBody>
+      </p:sp>
+      <p:sp>
+        <p:nvSpPr>
+          <p:cNvPr id="13" name="Rectangle 12">
+            <a:extLst>
+              <a:ext uri="{FF2B5EF4-FFF2-40B4-BE49-F238E27FC236}">
+                <a16:creationId xmlns:a16="http://schemas.microsoft.com/office/drawing/2014/main" id="{D7269613-D126-4011-886C-BA824DAD1D58}"/>
+              </a:ext>
+            </a:extLst>
+          </p:cNvPr>
+          <p:cNvSpPr/>
+          <p:nvPr/>
+        </p:nvSpPr>
+        <p:spPr>
+          <a:xfrm>
+            <a:off x="4738255" y="2685143"/>
+            <a:ext cx="1487054" cy="242784"/>
+          </a:xfrm>
+          <a:prstGeom prst="rect">
+            <a:avLst/>
+          </a:prstGeom>
+        </p:spPr>
+        <p:style>
+          <a:lnRef idx="2">
+            <a:schemeClr val="accent2">
+              <a:shade val="50000"/>
+            </a:schemeClr>
+          </a:lnRef>
+          <a:fillRef idx="1">
+            <a:schemeClr val="accent2"/>
+          </a:fillRef>
+          <a:effectRef idx="0">
+            <a:schemeClr val="accent2"/>
+          </a:effectRef>
+          <a:fontRef idx="minor">
+            <a:schemeClr val="lt1"/>
+          </a:fontRef>
+        </p:style>
+        <p:txBody>
+          <a:bodyPr rtlCol="0" anchor="ctr"/>
+          <a:lstStyle/>
+          <a:p>
+            <a:pPr algn="ctr"/>
+            <a:r>
+              <a:rPr lang="en-GB" dirty="0"/>
+              <a:t>Name</a:t>
+            </a:r>
+          </a:p>
+        </p:txBody>
+      </p:sp>
+      <p:sp>
+        <p:nvSpPr>
+          <p:cNvPr id="14" name="Rectangle 13">
+            <a:extLst>
+              <a:ext uri="{FF2B5EF4-FFF2-40B4-BE49-F238E27FC236}">
+                <a16:creationId xmlns:a16="http://schemas.microsoft.com/office/drawing/2014/main" id="{5FB4E422-023B-44EC-A1E5-DFD120FF7838}"/>
+              </a:ext>
+            </a:extLst>
+          </p:cNvPr>
+          <p:cNvSpPr/>
+          <p:nvPr/>
+        </p:nvSpPr>
+        <p:spPr>
+          <a:xfrm>
+            <a:off x="6331528" y="2685143"/>
+            <a:ext cx="815109" cy="242784"/>
+          </a:xfrm>
+          <a:prstGeom prst="rect">
+            <a:avLst/>
+          </a:prstGeom>
+        </p:spPr>
+        <p:style>
+          <a:lnRef idx="2">
+            <a:schemeClr val="accent2">
+              <a:shade val="50000"/>
+            </a:schemeClr>
+          </a:lnRef>
+          <a:fillRef idx="1">
+            <a:schemeClr val="accent2"/>
+          </a:fillRef>
+          <a:effectRef idx="0">
+            <a:schemeClr val="accent2"/>
+          </a:effectRef>
+          <a:fontRef idx="minor">
+            <a:schemeClr val="lt1"/>
+          </a:fontRef>
+        </p:style>
+        <p:txBody>
+          <a:bodyPr rtlCol="0" anchor="ctr"/>
+          <a:lstStyle/>
+          <a:p>
+            <a:pPr algn="ctr"/>
+            <a:r>
+              <a:rPr lang="en-GB" sz="1200" dirty="0"/>
+              <a:t>Amount</a:t>
+            </a:r>
+          </a:p>
+        </p:txBody>
+      </p:sp>
+      <p:sp>
+        <p:nvSpPr>
+          <p:cNvPr id="15" name="Flowchart: Process 14">
+            <a:extLst>
+              <a:ext uri="{FF2B5EF4-FFF2-40B4-BE49-F238E27FC236}">
+                <a16:creationId xmlns:a16="http://schemas.microsoft.com/office/drawing/2014/main" id="{B2C06959-2376-4FD3-8A2B-49A546FB338D}"/>
+              </a:ext>
+            </a:extLst>
+          </p:cNvPr>
+          <p:cNvSpPr/>
+          <p:nvPr/>
+        </p:nvSpPr>
+        <p:spPr>
+          <a:xfrm>
+            <a:off x="4612246" y="5301673"/>
+            <a:ext cx="2927927" cy="628072"/>
+          </a:xfrm>
+          <a:prstGeom prst="flowChartProcess">
+            <a:avLst/>
+          </a:prstGeom>
+        </p:spPr>
+        <p:style>
+          <a:lnRef idx="2">
+            <a:schemeClr val="accent1">
+              <a:shade val="50000"/>
+            </a:schemeClr>
+          </a:lnRef>
+          <a:fillRef idx="1">
+            <a:schemeClr val="accent1"/>
+          </a:fillRef>
+          <a:effectRef idx="0">
+            <a:schemeClr val="accent1"/>
+          </a:effectRef>
+          <a:fontRef idx="minor">
+            <a:schemeClr val="lt1"/>
+          </a:fontRef>
+        </p:style>
+        <p:txBody>
+          <a:bodyPr rtlCol="0" anchor="ctr"/>
+          <a:lstStyle/>
+          <a:p>
+            <a:pPr algn="ctr"/>
+            <a:r>
+              <a:rPr lang="en-GB" dirty="0"/>
+              <a:t>Submit created meal</a:t>
+            </a:r>
+          </a:p>
+        </p:txBody>
+      </p:sp>
+      <p:sp>
+        <p:nvSpPr>
+          <p:cNvPr id="16" name="Rectangle 15">
+            <a:extLst>
+              <a:ext uri="{FF2B5EF4-FFF2-40B4-BE49-F238E27FC236}">
+                <a16:creationId xmlns:a16="http://schemas.microsoft.com/office/drawing/2014/main" id="{9F1AD4BA-9723-4D2E-91BD-4929BDFAA048}"/>
+              </a:ext>
+            </a:extLst>
+          </p:cNvPr>
+          <p:cNvSpPr/>
+          <p:nvPr/>
+        </p:nvSpPr>
+        <p:spPr>
+          <a:xfrm>
+            <a:off x="8558811" y="2148114"/>
+            <a:ext cx="1882237" cy="537029"/>
+          </a:xfrm>
+          <a:prstGeom prst="rect">
+            <a:avLst/>
+          </a:prstGeom>
+        </p:spPr>
+        <p:style>
+          <a:lnRef idx="2">
+            <a:schemeClr val="accent1">
+              <a:shade val="50000"/>
+            </a:schemeClr>
+          </a:lnRef>
+          <a:fillRef idx="1">
+            <a:schemeClr val="accent1"/>
+          </a:fillRef>
+          <a:effectRef idx="0">
+            <a:schemeClr val="accent1"/>
+          </a:effectRef>
+          <a:fontRef idx="minor">
+            <a:schemeClr val="lt1"/>
+          </a:fontRef>
+        </p:style>
+        <p:txBody>
+          <a:bodyPr rtlCol="0" anchor="ctr"/>
+          <a:lstStyle/>
+          <a:p>
+            <a:pPr algn="ctr"/>
+            <a:endParaRPr lang="en-GB"/>
+          </a:p>
+        </p:txBody>
+      </p:sp>
+      <p:sp>
+        <p:nvSpPr>
+          <p:cNvPr id="17" name="Rectangle 16">
+            <a:extLst>
+              <a:ext uri="{FF2B5EF4-FFF2-40B4-BE49-F238E27FC236}">
+                <a16:creationId xmlns:a16="http://schemas.microsoft.com/office/drawing/2014/main" id="{A7BB3C45-F234-4690-A456-C131F4FBBFFA}"/>
+              </a:ext>
+            </a:extLst>
+          </p:cNvPr>
+          <p:cNvSpPr/>
+          <p:nvPr/>
+        </p:nvSpPr>
+        <p:spPr>
+          <a:xfrm>
+            <a:off x="10547267" y="2148114"/>
+            <a:ext cx="899886" cy="537029"/>
+          </a:xfrm>
+          <a:prstGeom prst="rect">
+            <a:avLst/>
+          </a:prstGeom>
+        </p:spPr>
+        <p:style>
+          <a:lnRef idx="2">
+            <a:schemeClr val="accent1">
+              <a:shade val="50000"/>
+            </a:schemeClr>
+          </a:lnRef>
+          <a:fillRef idx="1">
+            <a:schemeClr val="accent1"/>
+          </a:fillRef>
+          <a:effectRef idx="0">
+            <a:schemeClr val="accent1"/>
+          </a:effectRef>
+          <a:fontRef idx="minor">
+            <a:schemeClr val="lt1"/>
+          </a:fontRef>
+        </p:style>
+        <p:txBody>
+          <a:bodyPr rtlCol="0" anchor="ctr"/>
+          <a:lstStyle/>
+          <a:p>
+            <a:pPr algn="ctr"/>
+            <a:r>
+              <a:rPr lang="en-GB" dirty="0"/>
+              <a:t>search</a:t>
+            </a:r>
+          </a:p>
+        </p:txBody>
+      </p:sp>
+      <p:sp>
+        <p:nvSpPr>
+          <p:cNvPr id="18" name="Rectangle 17">
+            <a:extLst>
+              <a:ext uri="{FF2B5EF4-FFF2-40B4-BE49-F238E27FC236}">
+                <a16:creationId xmlns:a16="http://schemas.microsoft.com/office/drawing/2014/main" id="{4ED08F27-DA89-443C-8D58-120F0FAED8C7}"/>
+              </a:ext>
+            </a:extLst>
+          </p:cNvPr>
+          <p:cNvSpPr/>
+          <p:nvPr/>
+        </p:nvSpPr>
+        <p:spPr>
+          <a:xfrm>
+            <a:off x="8558811" y="2830286"/>
+            <a:ext cx="2888343" cy="3292927"/>
+          </a:xfrm>
+          <a:prstGeom prst="rect">
+            <a:avLst/>
+          </a:prstGeom>
+        </p:spPr>
+        <p:style>
+          <a:lnRef idx="2">
+            <a:schemeClr val="accent1">
+              <a:shade val="50000"/>
+            </a:schemeClr>
+          </a:lnRef>
+          <a:fillRef idx="1">
+            <a:schemeClr val="accent1"/>
+          </a:fillRef>
+          <a:effectRef idx="0">
+            <a:schemeClr val="accent1"/>
+          </a:effectRef>
+          <a:fontRef idx="minor">
+            <a:schemeClr val="lt1"/>
+          </a:fontRef>
+        </p:style>
+        <p:txBody>
+          <a:bodyPr rtlCol="0" anchor="ctr"/>
+          <a:lstStyle/>
+          <a:p>
+            <a:pPr algn="ctr"/>
+            <a:r>
+              <a:rPr lang="en-GB" dirty="0"/>
+              <a:t>Output of items from the database that match the search criteria</a:t>
+            </a:r>
+          </a:p>
+        </p:txBody>
+      </p:sp>
+      <p:sp>
+        <p:nvSpPr>
+          <p:cNvPr id="19" name="TextBox 18">
+            <a:extLst>
+              <a:ext uri="{FF2B5EF4-FFF2-40B4-BE49-F238E27FC236}">
+                <a16:creationId xmlns:a16="http://schemas.microsoft.com/office/drawing/2014/main" id="{7FFFD1D6-47B7-4EDA-AFF4-E76D425C8982}"/>
+              </a:ext>
+            </a:extLst>
+          </p:cNvPr>
+          <p:cNvSpPr txBox="1"/>
+          <p:nvPr/>
+        </p:nvSpPr>
+        <p:spPr>
+          <a:xfrm>
+            <a:off x="8391896" y="1452101"/>
+            <a:ext cx="3222172" cy="369332"/>
+          </a:xfrm>
+          <a:prstGeom prst="rect">
+            <a:avLst/>
+          </a:prstGeom>
+          <a:noFill/>
+        </p:spPr>
+        <p:txBody>
+          <a:bodyPr wrap="square" rtlCol="0">
+            <a:spAutoFit/>
+          </a:bodyPr>
+          <a:lstStyle/>
+          <a:p>
+            <a:pPr algn="ctr"/>
+            <a:r>
+              <a:rPr lang="en-GB" dirty="0"/>
+              <a:t>Meals list</a:t>
+            </a:r>
+          </a:p>
+        </p:txBody>
+      </p:sp>
+      <p:sp>
+        <p:nvSpPr>
+          <p:cNvPr id="20" name="Multiplication Sign 19">
+            <a:extLst>
+              <a:ext uri="{FF2B5EF4-FFF2-40B4-BE49-F238E27FC236}">
+                <a16:creationId xmlns:a16="http://schemas.microsoft.com/office/drawing/2014/main" id="{D0CE560E-BB36-4927-8D0E-635443530C8E}"/>
+              </a:ext>
+            </a:extLst>
+          </p:cNvPr>
+          <p:cNvSpPr/>
+          <p:nvPr/>
+        </p:nvSpPr>
+        <p:spPr>
+          <a:xfrm>
+            <a:off x="11013704" y="2890432"/>
+            <a:ext cx="295563" cy="242784"/>
+          </a:xfrm>
+          <a:prstGeom prst="mathMultiply">
+            <a:avLst/>
+          </a:prstGeom>
+        </p:spPr>
+        <p:style>
+          <a:lnRef idx="2">
+            <a:schemeClr val="accent2">
+              <a:shade val="50000"/>
+            </a:schemeClr>
+          </a:lnRef>
+          <a:fillRef idx="1">
+            <a:schemeClr val="accent2"/>
+          </a:fillRef>
+          <a:effectRef idx="0">
+            <a:schemeClr val="accent2"/>
+          </a:effectRef>
+          <a:fontRef idx="minor">
+            <a:schemeClr val="lt1"/>
+          </a:fontRef>
+        </p:style>
+        <p:txBody>
+          <a:bodyPr rtlCol="0" anchor="ctr"/>
+          <a:lstStyle/>
+          <a:p>
+            <a:pPr algn="ctr"/>
+            <a:endParaRPr lang="en-GB"/>
+          </a:p>
+        </p:txBody>
+      </p:sp>
+      <p:sp>
+        <p:nvSpPr>
+          <p:cNvPr id="22" name="Rectangle 21">
+            <a:extLst>
+              <a:ext uri="{FF2B5EF4-FFF2-40B4-BE49-F238E27FC236}">
+                <a16:creationId xmlns:a16="http://schemas.microsoft.com/office/drawing/2014/main" id="{E4C7034C-3EF3-4746-ACF4-299061A3BCB4}"/>
+              </a:ext>
+            </a:extLst>
+          </p:cNvPr>
+          <p:cNvSpPr/>
+          <p:nvPr/>
+        </p:nvSpPr>
+        <p:spPr>
+          <a:xfrm>
+            <a:off x="8644909" y="2917591"/>
+            <a:ext cx="2230907" cy="242784"/>
+          </a:xfrm>
+          <a:prstGeom prst="rect">
+            <a:avLst/>
+          </a:prstGeom>
+        </p:spPr>
+        <p:style>
+          <a:lnRef idx="2">
+            <a:schemeClr val="accent2">
+              <a:shade val="50000"/>
+            </a:schemeClr>
+          </a:lnRef>
+          <a:fillRef idx="1">
+            <a:schemeClr val="accent2"/>
+          </a:fillRef>
+          <a:effectRef idx="0">
+            <a:schemeClr val="accent2"/>
+          </a:effectRef>
+          <a:fontRef idx="minor">
+            <a:schemeClr val="lt1"/>
+          </a:fontRef>
+        </p:style>
+        <p:txBody>
+          <a:bodyPr rtlCol="0" anchor="ctr"/>
+          <a:lstStyle/>
+          <a:p>
+            <a:pPr algn="ctr"/>
+            <a:r>
+              <a:rPr lang="en-GB" dirty="0"/>
+              <a:t>Name</a:t>
             </a:r>
           </a:p>
         </p:txBody>
@@ -5066,6 +5702,55 @@
           </a:graphicData>
         </a:graphic>
       </p:graphicFrame>
+      <p:sp>
+        <p:nvSpPr>
+          <p:cNvPr id="6" name="Rectangle 5">
+            <a:extLst>
+              <a:ext uri="{FF2B5EF4-FFF2-40B4-BE49-F238E27FC236}">
+                <a16:creationId xmlns:a16="http://schemas.microsoft.com/office/drawing/2014/main" id="{89AA6B5D-B32C-445D-B685-24417FAE583A}"/>
+              </a:ext>
+            </a:extLst>
+          </p:cNvPr>
+          <p:cNvSpPr/>
+          <p:nvPr/>
+        </p:nvSpPr>
+        <p:spPr>
+          <a:xfrm>
+            <a:off x="9070110" y="990601"/>
+            <a:ext cx="1542473" cy="406400"/>
+          </a:xfrm>
+          <a:prstGeom prst="rect">
+            <a:avLst/>
+          </a:prstGeom>
+        </p:spPr>
+        <p:style>
+          <a:lnRef idx="2">
+            <a:schemeClr val="accent1">
+              <a:shade val="50000"/>
+            </a:schemeClr>
+          </a:lnRef>
+          <a:fillRef idx="1">
+            <a:schemeClr val="accent1"/>
+          </a:fillRef>
+          <a:effectRef idx="0">
+            <a:schemeClr val="accent1"/>
+          </a:effectRef>
+          <a:fontRef idx="minor">
+            <a:schemeClr val="lt1"/>
+          </a:fontRef>
+        </p:style>
+        <p:txBody>
+          <a:bodyPr rtlCol="0" anchor="ctr"/>
+          <a:lstStyle/>
+          <a:p>
+            <a:pPr algn="ctr"/>
+            <a:r>
+              <a:rPr lang="en-GB" dirty="0"/>
+              <a:t>Create new</a:t>
+            </a:r>
+          </a:p>
+        </p:txBody>
+      </p:sp>
     </p:spTree>
     <p:extLst>
       <p:ext uri="{BB962C8B-B14F-4D97-AF65-F5344CB8AC3E}">
